--- a/Optimization.pptx
+++ b/Optimization.pptx
@@ -204,7 +204,7 @@
           <a:p>
             <a:fld id="{7694F471-30A2-4FEA-BA25-72E271B2FC98}" type="datetimeFigureOut">
               <a:rPr lang="zh-CN" altLang="en-US" smtClean="0"/>
-              <a:t>2017/3/16</a:t>
+              <a:t>2017/3/17</a:t>
             </a:fld>
             <a:endParaRPr lang="zh-CN" altLang="en-US"/>
           </a:p>
@@ -603,7 +603,7 @@
           <a:p>
             <a:fld id="{91214B39-2CF4-4826-BF12-2AAA46A6D3EF}" type="datetimeFigureOut">
               <a:rPr lang="zh-CN" altLang="en-US" smtClean="0"/>
-              <a:t>2017/3/16</a:t>
+              <a:t>2017/3/17</a:t>
             </a:fld>
             <a:endParaRPr lang="zh-CN" altLang="en-US"/>
           </a:p>
@@ -773,7 +773,7 @@
           <a:p>
             <a:fld id="{91214B39-2CF4-4826-BF12-2AAA46A6D3EF}" type="datetimeFigureOut">
               <a:rPr lang="zh-CN" altLang="en-US" smtClean="0"/>
-              <a:t>2017/3/16</a:t>
+              <a:t>2017/3/17</a:t>
             </a:fld>
             <a:endParaRPr lang="zh-CN" altLang="en-US"/>
           </a:p>
@@ -953,7 +953,7 @@
           <a:p>
             <a:fld id="{91214B39-2CF4-4826-BF12-2AAA46A6D3EF}" type="datetimeFigureOut">
               <a:rPr lang="zh-CN" altLang="en-US" smtClean="0"/>
-              <a:t>2017/3/16</a:t>
+              <a:t>2017/3/17</a:t>
             </a:fld>
             <a:endParaRPr lang="zh-CN" altLang="en-US"/>
           </a:p>
@@ -1123,7 +1123,7 @@
           <a:p>
             <a:fld id="{91214B39-2CF4-4826-BF12-2AAA46A6D3EF}" type="datetimeFigureOut">
               <a:rPr lang="zh-CN" altLang="en-US" smtClean="0"/>
-              <a:t>2017/3/16</a:t>
+              <a:t>2017/3/17</a:t>
             </a:fld>
             <a:endParaRPr lang="zh-CN" altLang="en-US"/>
           </a:p>
@@ -1367,7 +1367,7 @@
           <a:p>
             <a:fld id="{91214B39-2CF4-4826-BF12-2AAA46A6D3EF}" type="datetimeFigureOut">
               <a:rPr lang="zh-CN" altLang="en-US" smtClean="0"/>
-              <a:t>2017/3/16</a:t>
+              <a:t>2017/3/17</a:t>
             </a:fld>
             <a:endParaRPr lang="zh-CN" altLang="en-US"/>
           </a:p>
@@ -1599,7 +1599,7 @@
           <a:p>
             <a:fld id="{91214B39-2CF4-4826-BF12-2AAA46A6D3EF}" type="datetimeFigureOut">
               <a:rPr lang="zh-CN" altLang="en-US" smtClean="0"/>
-              <a:t>2017/3/16</a:t>
+              <a:t>2017/3/17</a:t>
             </a:fld>
             <a:endParaRPr lang="zh-CN" altLang="en-US"/>
           </a:p>
@@ -1966,7 +1966,7 @@
           <a:p>
             <a:fld id="{91214B39-2CF4-4826-BF12-2AAA46A6D3EF}" type="datetimeFigureOut">
               <a:rPr lang="zh-CN" altLang="en-US" smtClean="0"/>
-              <a:t>2017/3/16</a:t>
+              <a:t>2017/3/17</a:t>
             </a:fld>
             <a:endParaRPr lang="zh-CN" altLang="en-US"/>
           </a:p>
@@ -2084,7 +2084,7 @@
           <a:p>
             <a:fld id="{91214B39-2CF4-4826-BF12-2AAA46A6D3EF}" type="datetimeFigureOut">
               <a:rPr lang="zh-CN" altLang="en-US" smtClean="0"/>
-              <a:t>2017/3/16</a:t>
+              <a:t>2017/3/17</a:t>
             </a:fld>
             <a:endParaRPr lang="zh-CN" altLang="en-US"/>
           </a:p>
@@ -2179,7 +2179,7 @@
           <a:p>
             <a:fld id="{91214B39-2CF4-4826-BF12-2AAA46A6D3EF}" type="datetimeFigureOut">
               <a:rPr lang="zh-CN" altLang="en-US" smtClean="0"/>
-              <a:t>2017/3/16</a:t>
+              <a:t>2017/3/17</a:t>
             </a:fld>
             <a:endParaRPr lang="zh-CN" altLang="en-US"/>
           </a:p>
@@ -2456,7 +2456,7 @@
           <a:p>
             <a:fld id="{91214B39-2CF4-4826-BF12-2AAA46A6D3EF}" type="datetimeFigureOut">
               <a:rPr lang="zh-CN" altLang="en-US" smtClean="0"/>
-              <a:t>2017/3/16</a:t>
+              <a:t>2017/3/17</a:t>
             </a:fld>
             <a:endParaRPr lang="zh-CN" altLang="en-US"/>
           </a:p>
@@ -2713,7 +2713,7 @@
           <a:p>
             <a:fld id="{91214B39-2CF4-4826-BF12-2AAA46A6D3EF}" type="datetimeFigureOut">
               <a:rPr lang="zh-CN" altLang="en-US" smtClean="0"/>
-              <a:t>2017/3/16</a:t>
+              <a:t>2017/3/17</a:t>
             </a:fld>
             <a:endParaRPr lang="zh-CN" altLang="en-US"/>
           </a:p>
@@ -2929,7 +2929,7 @@
           <a:p>
             <a:fld id="{91214B39-2CF4-4826-BF12-2AAA46A6D3EF}" type="datetimeFigureOut">
               <a:rPr lang="zh-CN" altLang="en-US" smtClean="0"/>
-              <a:t>2017/3/16</a:t>
+              <a:t>2017/3/17</a:t>
             </a:fld>
             <a:endParaRPr lang="zh-CN" altLang="en-US"/>
           </a:p>
@@ -3432,35 +3432,8 @@
                 <a:latin typeface="Segoe UI" panose="020B0502040204020203" pitchFamily="34" charset="0"/>
                 <a:cs typeface="Segoe UI" panose="020B0502040204020203" pitchFamily="34" charset="0"/>
               </a:rPr>
-              <a:t>Presenter</a:t>
-            </a:r>
-            <a:r>
-              <a:rPr lang="en-US" altLang="zh-CN" sz="2400" dirty="0" smtClean="0">
-                <a:solidFill>
-                  <a:srgbClr val="CFD8DC"/>
-                </a:solidFill>
-                <a:latin typeface="Segoe UI" panose="020B0502040204020203" pitchFamily="34" charset="0"/>
-                <a:cs typeface="Segoe UI" panose="020B0502040204020203" pitchFamily="34" charset="0"/>
-              </a:rPr>
-              <a:t>: Liang </a:t>
-            </a:r>
-            <a:r>
-              <a:rPr lang="en-US" altLang="zh-CN" sz="2400" dirty="0" smtClean="0">
-                <a:solidFill>
-                  <a:srgbClr val="CFD8DC"/>
-                </a:solidFill>
-                <a:latin typeface="Segoe UI" panose="020B0502040204020203" pitchFamily="34" charset="0"/>
-                <a:cs typeface="Segoe UI" panose="020B0502040204020203" pitchFamily="34" charset="0"/>
-              </a:rPr>
-              <a:t>Shuang</a:t>
-            </a:r>
-            <a:endParaRPr lang="en-US" altLang="zh-CN" sz="2400" dirty="0" smtClean="0">
-              <a:solidFill>
-                <a:srgbClr val="CFD8DC"/>
-              </a:solidFill>
-              <a:latin typeface="Segoe UI" panose="020B0502040204020203" pitchFamily="34" charset="0"/>
-              <a:cs typeface="Segoe UI" panose="020B0502040204020203" pitchFamily="34" charset="0"/>
-            </a:endParaRPr>
+              <a:t>Presenter: Liang Shuang</a:t>
+            </a:r>
           </a:p>
         </p:txBody>
       </p:sp>
@@ -3687,13 +3660,6 @@
                 </a:rPr>
                 <a:t>Temperature</a:t>
               </a:r>
-              <a:endParaRPr lang="en-US" altLang="zh-CN" sz="2400" dirty="0" smtClean="0">
-                <a:solidFill>
-                  <a:srgbClr val="607D8B"/>
-                </a:solidFill>
-                <a:latin typeface="Segoe UI Semibold" panose="020B0702040204020203" pitchFamily="34" charset="0"/>
-                <a:cs typeface="Segoe UI Semibold" panose="020B0702040204020203" pitchFamily="34" charset="0"/>
-              </a:endParaRPr>
             </a:p>
             <a:p>
               <a:r>
@@ -3739,13 +3705,6 @@
                 </a:rPr>
                 <a:t>Cost Function</a:t>
               </a:r>
-              <a:endParaRPr lang="en-US" altLang="zh-CN" sz="2400" dirty="0" smtClean="0">
-                <a:solidFill>
-                  <a:srgbClr val="607D8B"/>
-                </a:solidFill>
-                <a:latin typeface="Segoe UI Semibold" panose="020B0702040204020203" pitchFamily="34" charset="0"/>
-                <a:cs typeface="Segoe UI Semibold" panose="020B0702040204020203" pitchFamily="34" charset="0"/>
-              </a:endParaRPr>
             </a:p>
             <a:p>
               <a:r>
@@ -3927,7 +3886,7 @@
         </p:nvCxnSpPr>
         <p:spPr>
           <a:xfrm>
-            <a:off x="1101612" y="4035473"/>
+            <a:off x="1101612" y="3839531"/>
             <a:ext cx="6885432" cy="0"/>
           </a:xfrm>
           <a:prstGeom prst="line">
@@ -3962,7 +3921,7 @@
         </p:nvCxnSpPr>
         <p:spPr>
           <a:xfrm>
-            <a:off x="1083324" y="4992545"/>
+            <a:off x="1083324" y="4815259"/>
             <a:ext cx="6885432" cy="0"/>
           </a:xfrm>
           <a:prstGeom prst="line">
